--- a/ppt 16-9/1450.主凡事恩待我.pptx
+++ b/ppt 16-9/1450.主凡事恩待我.pptx
@@ -129,7 +129,7 @@
           <p:cNvPr id="2" name="标题 1">
             <a:extLst>
               <a:ext uri="{FF2B5EF4-FFF2-40B4-BE49-F238E27FC236}">
-                <a16:creationId xmlns:a16="http://schemas.microsoft.com/office/drawing/2014/main" id="{CE3D1837-8C4E-A2D8-6951-8734B14AC8E7}"/>
+                <a16:creationId xmlns:a16="http://schemas.microsoft.com/office/drawing/2014/main" id="{E585E15D-98B4-D5FE-4D88-397403B44128}"/>
               </a:ext>
             </a:extLst>
           </p:cNvPr>
@@ -166,7 +166,7 @@
           <p:cNvPr id="3" name="副标题 2">
             <a:extLst>
               <a:ext uri="{FF2B5EF4-FFF2-40B4-BE49-F238E27FC236}">
-                <a16:creationId xmlns:a16="http://schemas.microsoft.com/office/drawing/2014/main" id="{4ADCEC4B-28E0-536A-6CFF-AE11C41BBAD1}"/>
+                <a16:creationId xmlns:a16="http://schemas.microsoft.com/office/drawing/2014/main" id="{A182F8B9-2398-FEA3-E1F7-8CEA0F22BCB2}"/>
               </a:ext>
             </a:extLst>
           </p:cNvPr>
@@ -236,7 +236,7 @@
           <p:cNvPr id="4" name="日期占位符 3">
             <a:extLst>
               <a:ext uri="{FF2B5EF4-FFF2-40B4-BE49-F238E27FC236}">
-                <a16:creationId xmlns:a16="http://schemas.microsoft.com/office/drawing/2014/main" id="{AFDF5A68-4742-B3A5-3577-EC88E561987D}"/>
+                <a16:creationId xmlns:a16="http://schemas.microsoft.com/office/drawing/2014/main" id="{52381E11-2EB6-7F79-7296-96294E769049}"/>
               </a:ext>
             </a:extLst>
           </p:cNvPr>
@@ -252,7 +252,7 @@
           <a:bodyPr/>
           <a:lstStyle/>
           <a:p>
-            <a:fld id="{9D622EA2-119D-4BC0-B374-2C44E1C9D99D}" type="datetimeFigureOut">
+            <a:fld id="{EE97F104-E9C2-492A-A5B1-A7F186779459}" type="datetimeFigureOut">
               <a:rPr lang="zh-CN" altLang="en-US" smtClean="0"/>
               <a:t>2024/3/10</a:t>
             </a:fld>
@@ -265,7 +265,7 @@
           <p:cNvPr id="5" name="页脚占位符 4">
             <a:extLst>
               <a:ext uri="{FF2B5EF4-FFF2-40B4-BE49-F238E27FC236}">
-                <a16:creationId xmlns:a16="http://schemas.microsoft.com/office/drawing/2014/main" id="{EB2C3050-1D1A-30CA-6FBB-D7FECAF35A18}"/>
+                <a16:creationId xmlns:a16="http://schemas.microsoft.com/office/drawing/2014/main" id="{0D25759E-DAF4-1236-09C4-BA503039CE96}"/>
               </a:ext>
             </a:extLst>
           </p:cNvPr>
@@ -290,7 +290,7 @@
           <p:cNvPr id="6" name="灯片编号占位符 5">
             <a:extLst>
               <a:ext uri="{FF2B5EF4-FFF2-40B4-BE49-F238E27FC236}">
-                <a16:creationId xmlns:a16="http://schemas.microsoft.com/office/drawing/2014/main" id="{02A016A0-3BB7-BC08-3E61-E6C13ACA794C}"/>
+                <a16:creationId xmlns:a16="http://schemas.microsoft.com/office/drawing/2014/main" id="{26D2BC91-0681-9B4C-C759-855E92FBB069}"/>
               </a:ext>
             </a:extLst>
           </p:cNvPr>
@@ -306,7 +306,7 @@
           <a:bodyPr/>
           <a:lstStyle/>
           <a:p>
-            <a:fld id="{FFFBB0C3-45B7-4DAC-B7FC-04189875B5CB}" type="slidenum">
+            <a:fld id="{FBF4E63D-535C-4155-A7F2-24F1A272796F}" type="slidenum">
               <a:rPr lang="zh-CN" altLang="en-US" smtClean="0"/>
               <a:t>‹#›</a:t>
             </a:fld>
@@ -317,7 +317,7 @@
     </p:spTree>
     <p:extLst>
       <p:ext uri="{BB962C8B-B14F-4D97-AF65-F5344CB8AC3E}">
-        <p14:creationId xmlns:p14="http://schemas.microsoft.com/office/powerpoint/2010/main" val="763933549"/>
+        <p14:creationId xmlns:p14="http://schemas.microsoft.com/office/powerpoint/2010/main" val="1439414863"/>
       </p:ext>
     </p:extLst>
   </p:cSld>
@@ -349,7 +349,7 @@
           <p:cNvPr id="2" name="标题 1">
             <a:extLst>
               <a:ext uri="{FF2B5EF4-FFF2-40B4-BE49-F238E27FC236}">
-                <a16:creationId xmlns:a16="http://schemas.microsoft.com/office/drawing/2014/main" id="{034517D7-BF84-78F3-E234-CCF0A6BF4FE5}"/>
+                <a16:creationId xmlns:a16="http://schemas.microsoft.com/office/drawing/2014/main" id="{0DBBD36A-1F23-851D-FAF0-B0742B4245B7}"/>
               </a:ext>
             </a:extLst>
           </p:cNvPr>
@@ -377,7 +377,7 @@
           <p:cNvPr id="3" name="竖排文字占位符 2">
             <a:extLst>
               <a:ext uri="{FF2B5EF4-FFF2-40B4-BE49-F238E27FC236}">
-                <a16:creationId xmlns:a16="http://schemas.microsoft.com/office/drawing/2014/main" id="{4176A97A-EA06-6A9A-0751-C778F520CE78}"/>
+                <a16:creationId xmlns:a16="http://schemas.microsoft.com/office/drawing/2014/main" id="{AFF4136C-FFFB-39BB-3B66-C04E5552A6F8}"/>
               </a:ext>
             </a:extLst>
           </p:cNvPr>
@@ -434,7 +434,7 @@
           <p:cNvPr id="4" name="日期占位符 3">
             <a:extLst>
               <a:ext uri="{FF2B5EF4-FFF2-40B4-BE49-F238E27FC236}">
-                <a16:creationId xmlns:a16="http://schemas.microsoft.com/office/drawing/2014/main" id="{5D38C874-9413-9DF3-763A-1FBBCCD7D36B}"/>
+                <a16:creationId xmlns:a16="http://schemas.microsoft.com/office/drawing/2014/main" id="{86B07484-2DAE-0835-8E39-B17C4B03CD4D}"/>
               </a:ext>
             </a:extLst>
           </p:cNvPr>
@@ -450,7 +450,7 @@
           <a:bodyPr/>
           <a:lstStyle/>
           <a:p>
-            <a:fld id="{9D622EA2-119D-4BC0-B374-2C44E1C9D99D}" type="datetimeFigureOut">
+            <a:fld id="{EE97F104-E9C2-492A-A5B1-A7F186779459}" type="datetimeFigureOut">
               <a:rPr lang="zh-CN" altLang="en-US" smtClean="0"/>
               <a:t>2024/3/10</a:t>
             </a:fld>
@@ -463,7 +463,7 @@
           <p:cNvPr id="5" name="页脚占位符 4">
             <a:extLst>
               <a:ext uri="{FF2B5EF4-FFF2-40B4-BE49-F238E27FC236}">
-                <a16:creationId xmlns:a16="http://schemas.microsoft.com/office/drawing/2014/main" id="{081B2CCD-C44E-D6F5-3FD0-F179E27E2C7A}"/>
+                <a16:creationId xmlns:a16="http://schemas.microsoft.com/office/drawing/2014/main" id="{145CE2CF-5FEF-F537-6AE7-0FB16A2AACE5}"/>
               </a:ext>
             </a:extLst>
           </p:cNvPr>
@@ -488,7 +488,7 @@
           <p:cNvPr id="6" name="灯片编号占位符 5">
             <a:extLst>
               <a:ext uri="{FF2B5EF4-FFF2-40B4-BE49-F238E27FC236}">
-                <a16:creationId xmlns:a16="http://schemas.microsoft.com/office/drawing/2014/main" id="{6767C7F7-2149-2E2B-D0DD-AB1DBE90F5D2}"/>
+                <a16:creationId xmlns:a16="http://schemas.microsoft.com/office/drawing/2014/main" id="{983D0176-B0AA-7D94-C41A-8B4CE670A018}"/>
               </a:ext>
             </a:extLst>
           </p:cNvPr>
@@ -504,7 +504,7 @@
           <a:bodyPr/>
           <a:lstStyle/>
           <a:p>
-            <a:fld id="{FFFBB0C3-45B7-4DAC-B7FC-04189875B5CB}" type="slidenum">
+            <a:fld id="{FBF4E63D-535C-4155-A7F2-24F1A272796F}" type="slidenum">
               <a:rPr lang="zh-CN" altLang="en-US" smtClean="0"/>
               <a:t>‹#›</a:t>
             </a:fld>
@@ -515,7 +515,7 @@
     </p:spTree>
     <p:extLst>
       <p:ext uri="{BB962C8B-B14F-4D97-AF65-F5344CB8AC3E}">
-        <p14:creationId xmlns:p14="http://schemas.microsoft.com/office/powerpoint/2010/main" val="38093468"/>
+        <p14:creationId xmlns:p14="http://schemas.microsoft.com/office/powerpoint/2010/main" val="2799449111"/>
       </p:ext>
     </p:extLst>
   </p:cSld>
@@ -547,7 +547,7 @@
           <p:cNvPr id="2" name="竖排标题 1">
             <a:extLst>
               <a:ext uri="{FF2B5EF4-FFF2-40B4-BE49-F238E27FC236}">
-                <a16:creationId xmlns:a16="http://schemas.microsoft.com/office/drawing/2014/main" id="{EBC96FF9-E52E-17ED-136C-A29D98CA883F}"/>
+                <a16:creationId xmlns:a16="http://schemas.microsoft.com/office/drawing/2014/main" id="{ADEC0262-5200-9586-BFF3-F039C3C2A4F1}"/>
               </a:ext>
             </a:extLst>
           </p:cNvPr>
@@ -580,7 +580,7 @@
           <p:cNvPr id="3" name="竖排文字占位符 2">
             <a:extLst>
               <a:ext uri="{FF2B5EF4-FFF2-40B4-BE49-F238E27FC236}">
-                <a16:creationId xmlns:a16="http://schemas.microsoft.com/office/drawing/2014/main" id="{B56ADA17-B7B0-CE62-C4D4-2CF5F88D3368}"/>
+                <a16:creationId xmlns:a16="http://schemas.microsoft.com/office/drawing/2014/main" id="{000504D1-1FE9-E087-DEAF-F18F9EC1B35E}"/>
               </a:ext>
             </a:extLst>
           </p:cNvPr>
@@ -642,7 +642,7 @@
           <p:cNvPr id="4" name="日期占位符 3">
             <a:extLst>
               <a:ext uri="{FF2B5EF4-FFF2-40B4-BE49-F238E27FC236}">
-                <a16:creationId xmlns:a16="http://schemas.microsoft.com/office/drawing/2014/main" id="{5737FF32-91BA-3B38-E001-0CA7D0A639FA}"/>
+                <a16:creationId xmlns:a16="http://schemas.microsoft.com/office/drawing/2014/main" id="{02554289-DAC4-9612-56DF-799DDDF1823A}"/>
               </a:ext>
             </a:extLst>
           </p:cNvPr>
@@ -658,7 +658,7 @@
           <a:bodyPr/>
           <a:lstStyle/>
           <a:p>
-            <a:fld id="{9D622EA2-119D-4BC0-B374-2C44E1C9D99D}" type="datetimeFigureOut">
+            <a:fld id="{EE97F104-E9C2-492A-A5B1-A7F186779459}" type="datetimeFigureOut">
               <a:rPr lang="zh-CN" altLang="en-US" smtClean="0"/>
               <a:t>2024/3/10</a:t>
             </a:fld>
@@ -671,7 +671,7 @@
           <p:cNvPr id="5" name="页脚占位符 4">
             <a:extLst>
               <a:ext uri="{FF2B5EF4-FFF2-40B4-BE49-F238E27FC236}">
-                <a16:creationId xmlns:a16="http://schemas.microsoft.com/office/drawing/2014/main" id="{1A32DA69-7E54-2E55-368A-D026F462D920}"/>
+                <a16:creationId xmlns:a16="http://schemas.microsoft.com/office/drawing/2014/main" id="{477370E9-3A1E-0378-6F7F-316AEA5E6C57}"/>
               </a:ext>
             </a:extLst>
           </p:cNvPr>
@@ -696,7 +696,7 @@
           <p:cNvPr id="6" name="灯片编号占位符 5">
             <a:extLst>
               <a:ext uri="{FF2B5EF4-FFF2-40B4-BE49-F238E27FC236}">
-                <a16:creationId xmlns:a16="http://schemas.microsoft.com/office/drawing/2014/main" id="{0BD42942-EDCF-71FC-6E88-84E416EB5364}"/>
+                <a16:creationId xmlns:a16="http://schemas.microsoft.com/office/drawing/2014/main" id="{D22BBE5D-23EC-0CB4-3DC4-F21B5AD34A08}"/>
               </a:ext>
             </a:extLst>
           </p:cNvPr>
@@ -712,7 +712,7 @@
           <a:bodyPr/>
           <a:lstStyle/>
           <a:p>
-            <a:fld id="{FFFBB0C3-45B7-4DAC-B7FC-04189875B5CB}" type="slidenum">
+            <a:fld id="{FBF4E63D-535C-4155-A7F2-24F1A272796F}" type="slidenum">
               <a:rPr lang="zh-CN" altLang="en-US" smtClean="0"/>
               <a:t>‹#›</a:t>
             </a:fld>
@@ -723,7 +723,7 @@
     </p:spTree>
     <p:extLst>
       <p:ext uri="{BB962C8B-B14F-4D97-AF65-F5344CB8AC3E}">
-        <p14:creationId xmlns:p14="http://schemas.microsoft.com/office/powerpoint/2010/main" val="1416021032"/>
+        <p14:creationId xmlns:p14="http://schemas.microsoft.com/office/powerpoint/2010/main" val="3324694432"/>
       </p:ext>
     </p:extLst>
   </p:cSld>
@@ -755,7 +755,7 @@
           <p:cNvPr id="2" name="标题 1">
             <a:extLst>
               <a:ext uri="{FF2B5EF4-FFF2-40B4-BE49-F238E27FC236}">
-                <a16:creationId xmlns:a16="http://schemas.microsoft.com/office/drawing/2014/main" id="{0FDE7C25-511F-221D-4FB7-54DDD2405EA1}"/>
+                <a16:creationId xmlns:a16="http://schemas.microsoft.com/office/drawing/2014/main" id="{CC03EFEC-7C27-4903-D2DB-045C16D7DA66}"/>
               </a:ext>
             </a:extLst>
           </p:cNvPr>
@@ -783,7 +783,7 @@
           <p:cNvPr id="3" name="内容占位符 2">
             <a:extLst>
               <a:ext uri="{FF2B5EF4-FFF2-40B4-BE49-F238E27FC236}">
-                <a16:creationId xmlns:a16="http://schemas.microsoft.com/office/drawing/2014/main" id="{18809438-83B0-C676-C217-6EF0C82A40DC}"/>
+                <a16:creationId xmlns:a16="http://schemas.microsoft.com/office/drawing/2014/main" id="{F62F7349-36C3-16A8-81BE-79171112C6C9}"/>
               </a:ext>
             </a:extLst>
           </p:cNvPr>
@@ -840,7 +840,7 @@
           <p:cNvPr id="4" name="日期占位符 3">
             <a:extLst>
               <a:ext uri="{FF2B5EF4-FFF2-40B4-BE49-F238E27FC236}">
-                <a16:creationId xmlns:a16="http://schemas.microsoft.com/office/drawing/2014/main" id="{266732E4-0C0F-6822-5E45-B5520E044E1A}"/>
+                <a16:creationId xmlns:a16="http://schemas.microsoft.com/office/drawing/2014/main" id="{2F553B4A-AD0A-AAC9-5038-D76AE3D4FB83}"/>
               </a:ext>
             </a:extLst>
           </p:cNvPr>
@@ -856,7 +856,7 @@
           <a:bodyPr/>
           <a:lstStyle/>
           <a:p>
-            <a:fld id="{9D622EA2-119D-4BC0-B374-2C44E1C9D99D}" type="datetimeFigureOut">
+            <a:fld id="{EE97F104-E9C2-492A-A5B1-A7F186779459}" type="datetimeFigureOut">
               <a:rPr lang="zh-CN" altLang="en-US" smtClean="0"/>
               <a:t>2024/3/10</a:t>
             </a:fld>
@@ -869,7 +869,7 @@
           <p:cNvPr id="5" name="页脚占位符 4">
             <a:extLst>
               <a:ext uri="{FF2B5EF4-FFF2-40B4-BE49-F238E27FC236}">
-                <a16:creationId xmlns:a16="http://schemas.microsoft.com/office/drawing/2014/main" id="{68E8922C-6FAC-09A3-5AB5-5DDC3F5C5B1F}"/>
+                <a16:creationId xmlns:a16="http://schemas.microsoft.com/office/drawing/2014/main" id="{9EB5CCBC-5937-CBAF-0775-D429BBB177FE}"/>
               </a:ext>
             </a:extLst>
           </p:cNvPr>
@@ -894,7 +894,7 @@
           <p:cNvPr id="6" name="灯片编号占位符 5">
             <a:extLst>
               <a:ext uri="{FF2B5EF4-FFF2-40B4-BE49-F238E27FC236}">
-                <a16:creationId xmlns:a16="http://schemas.microsoft.com/office/drawing/2014/main" id="{E180F1D9-F3BC-04BD-2A81-C7A54F8071FC}"/>
+                <a16:creationId xmlns:a16="http://schemas.microsoft.com/office/drawing/2014/main" id="{CA2147E7-FF37-BE1F-116C-4DD0C4504722}"/>
               </a:ext>
             </a:extLst>
           </p:cNvPr>
@@ -910,7 +910,7 @@
           <a:bodyPr/>
           <a:lstStyle/>
           <a:p>
-            <a:fld id="{FFFBB0C3-45B7-4DAC-B7FC-04189875B5CB}" type="slidenum">
+            <a:fld id="{FBF4E63D-535C-4155-A7F2-24F1A272796F}" type="slidenum">
               <a:rPr lang="zh-CN" altLang="en-US" smtClean="0"/>
               <a:t>‹#›</a:t>
             </a:fld>
@@ -921,7 +921,7 @@
     </p:spTree>
     <p:extLst>
       <p:ext uri="{BB962C8B-B14F-4D97-AF65-F5344CB8AC3E}">
-        <p14:creationId xmlns:p14="http://schemas.microsoft.com/office/powerpoint/2010/main" val="3100803133"/>
+        <p14:creationId xmlns:p14="http://schemas.microsoft.com/office/powerpoint/2010/main" val="4281490406"/>
       </p:ext>
     </p:extLst>
   </p:cSld>
@@ -953,7 +953,7 @@
           <p:cNvPr id="2" name="标题 1">
             <a:extLst>
               <a:ext uri="{FF2B5EF4-FFF2-40B4-BE49-F238E27FC236}">
-                <a16:creationId xmlns:a16="http://schemas.microsoft.com/office/drawing/2014/main" id="{C6BDE062-FAC0-78C2-CF87-065396CA0AA8}"/>
+                <a16:creationId xmlns:a16="http://schemas.microsoft.com/office/drawing/2014/main" id="{60C584D4-D8D7-6455-8792-6B9D3D48622F}"/>
               </a:ext>
             </a:extLst>
           </p:cNvPr>
@@ -990,7 +990,7 @@
           <p:cNvPr id="3" name="文本占位符 2">
             <a:extLst>
               <a:ext uri="{FF2B5EF4-FFF2-40B4-BE49-F238E27FC236}">
-                <a16:creationId xmlns:a16="http://schemas.microsoft.com/office/drawing/2014/main" id="{5358F67B-802D-8D7A-A9E8-2C53446C3CB6}"/>
+                <a16:creationId xmlns:a16="http://schemas.microsoft.com/office/drawing/2014/main" id="{129C5518-C66B-A350-E5A3-A8F8220DA776}"/>
               </a:ext>
             </a:extLst>
           </p:cNvPr>
@@ -1115,7 +1115,7 @@
           <p:cNvPr id="4" name="日期占位符 3">
             <a:extLst>
               <a:ext uri="{FF2B5EF4-FFF2-40B4-BE49-F238E27FC236}">
-                <a16:creationId xmlns:a16="http://schemas.microsoft.com/office/drawing/2014/main" id="{FD59BEE4-40CF-1CE5-3CCD-42698600F043}"/>
+                <a16:creationId xmlns:a16="http://schemas.microsoft.com/office/drawing/2014/main" id="{993D4542-90FE-6422-4064-098F96C4BCB4}"/>
               </a:ext>
             </a:extLst>
           </p:cNvPr>
@@ -1131,7 +1131,7 @@
           <a:bodyPr/>
           <a:lstStyle/>
           <a:p>
-            <a:fld id="{9D622EA2-119D-4BC0-B374-2C44E1C9D99D}" type="datetimeFigureOut">
+            <a:fld id="{EE97F104-E9C2-492A-A5B1-A7F186779459}" type="datetimeFigureOut">
               <a:rPr lang="zh-CN" altLang="en-US" smtClean="0"/>
               <a:t>2024/3/10</a:t>
             </a:fld>
@@ -1144,7 +1144,7 @@
           <p:cNvPr id="5" name="页脚占位符 4">
             <a:extLst>
               <a:ext uri="{FF2B5EF4-FFF2-40B4-BE49-F238E27FC236}">
-                <a16:creationId xmlns:a16="http://schemas.microsoft.com/office/drawing/2014/main" id="{0017694E-07E0-A2B6-8A55-129805F70F36}"/>
+                <a16:creationId xmlns:a16="http://schemas.microsoft.com/office/drawing/2014/main" id="{DC3FB5E9-B2A4-25B4-320E-473756C86273}"/>
               </a:ext>
             </a:extLst>
           </p:cNvPr>
@@ -1169,7 +1169,7 @@
           <p:cNvPr id="6" name="灯片编号占位符 5">
             <a:extLst>
               <a:ext uri="{FF2B5EF4-FFF2-40B4-BE49-F238E27FC236}">
-                <a16:creationId xmlns:a16="http://schemas.microsoft.com/office/drawing/2014/main" id="{CF978376-E330-15E2-1165-01EFB83931C6}"/>
+                <a16:creationId xmlns:a16="http://schemas.microsoft.com/office/drawing/2014/main" id="{C2135633-5B2D-5DD3-8736-A102298147C8}"/>
               </a:ext>
             </a:extLst>
           </p:cNvPr>
@@ -1185,7 +1185,7 @@
           <a:bodyPr/>
           <a:lstStyle/>
           <a:p>
-            <a:fld id="{FFFBB0C3-45B7-4DAC-B7FC-04189875B5CB}" type="slidenum">
+            <a:fld id="{FBF4E63D-535C-4155-A7F2-24F1A272796F}" type="slidenum">
               <a:rPr lang="zh-CN" altLang="en-US" smtClean="0"/>
               <a:t>‹#›</a:t>
             </a:fld>
@@ -1196,7 +1196,7 @@
     </p:spTree>
     <p:extLst>
       <p:ext uri="{BB962C8B-B14F-4D97-AF65-F5344CB8AC3E}">
-        <p14:creationId xmlns:p14="http://schemas.microsoft.com/office/powerpoint/2010/main" val="2103214385"/>
+        <p14:creationId xmlns:p14="http://schemas.microsoft.com/office/powerpoint/2010/main" val="665253578"/>
       </p:ext>
     </p:extLst>
   </p:cSld>
@@ -1228,7 +1228,7 @@
           <p:cNvPr id="2" name="标题 1">
             <a:extLst>
               <a:ext uri="{FF2B5EF4-FFF2-40B4-BE49-F238E27FC236}">
-                <a16:creationId xmlns:a16="http://schemas.microsoft.com/office/drawing/2014/main" id="{7A243A60-A583-A520-8BF7-749201276C20}"/>
+                <a16:creationId xmlns:a16="http://schemas.microsoft.com/office/drawing/2014/main" id="{AF38F970-7C2E-D325-6750-4A86A7231B9F}"/>
               </a:ext>
             </a:extLst>
           </p:cNvPr>
@@ -1256,7 +1256,7 @@
           <p:cNvPr id="3" name="内容占位符 2">
             <a:extLst>
               <a:ext uri="{FF2B5EF4-FFF2-40B4-BE49-F238E27FC236}">
-                <a16:creationId xmlns:a16="http://schemas.microsoft.com/office/drawing/2014/main" id="{656D066C-7212-5C62-3CDA-A10921D80674}"/>
+                <a16:creationId xmlns:a16="http://schemas.microsoft.com/office/drawing/2014/main" id="{EB5C762E-BBDA-A63A-F361-4D465FE1D83A}"/>
               </a:ext>
             </a:extLst>
           </p:cNvPr>
@@ -1318,7 +1318,7 @@
           <p:cNvPr id="4" name="内容占位符 3">
             <a:extLst>
               <a:ext uri="{FF2B5EF4-FFF2-40B4-BE49-F238E27FC236}">
-                <a16:creationId xmlns:a16="http://schemas.microsoft.com/office/drawing/2014/main" id="{0015CEAA-901F-8EAA-D68E-7EE6874EABE6}"/>
+                <a16:creationId xmlns:a16="http://schemas.microsoft.com/office/drawing/2014/main" id="{2F0386B8-F15C-C01E-5A83-18D51D24E88A}"/>
               </a:ext>
             </a:extLst>
           </p:cNvPr>
@@ -1380,7 +1380,7 @@
           <p:cNvPr id="5" name="日期占位符 4">
             <a:extLst>
               <a:ext uri="{FF2B5EF4-FFF2-40B4-BE49-F238E27FC236}">
-                <a16:creationId xmlns:a16="http://schemas.microsoft.com/office/drawing/2014/main" id="{94A3FCB1-6B4D-A2EA-CC61-7A35878B55AC}"/>
+                <a16:creationId xmlns:a16="http://schemas.microsoft.com/office/drawing/2014/main" id="{A8238664-5D3C-578E-F236-DCC7EBF95ECA}"/>
               </a:ext>
             </a:extLst>
           </p:cNvPr>
@@ -1396,7 +1396,7 @@
           <a:bodyPr/>
           <a:lstStyle/>
           <a:p>
-            <a:fld id="{9D622EA2-119D-4BC0-B374-2C44E1C9D99D}" type="datetimeFigureOut">
+            <a:fld id="{EE97F104-E9C2-492A-A5B1-A7F186779459}" type="datetimeFigureOut">
               <a:rPr lang="zh-CN" altLang="en-US" smtClean="0"/>
               <a:t>2024/3/10</a:t>
             </a:fld>
@@ -1409,7 +1409,7 @@
           <p:cNvPr id="6" name="页脚占位符 5">
             <a:extLst>
               <a:ext uri="{FF2B5EF4-FFF2-40B4-BE49-F238E27FC236}">
-                <a16:creationId xmlns:a16="http://schemas.microsoft.com/office/drawing/2014/main" id="{924FA155-D61F-F7D8-1B17-307008D062CC}"/>
+                <a16:creationId xmlns:a16="http://schemas.microsoft.com/office/drawing/2014/main" id="{54D2500F-0742-9AD7-4C4F-4F0A794D2C17}"/>
               </a:ext>
             </a:extLst>
           </p:cNvPr>
@@ -1434,7 +1434,7 @@
           <p:cNvPr id="7" name="灯片编号占位符 6">
             <a:extLst>
               <a:ext uri="{FF2B5EF4-FFF2-40B4-BE49-F238E27FC236}">
-                <a16:creationId xmlns:a16="http://schemas.microsoft.com/office/drawing/2014/main" id="{E2EC40BC-6480-9773-E781-8DC319AAE980}"/>
+                <a16:creationId xmlns:a16="http://schemas.microsoft.com/office/drawing/2014/main" id="{1EFEB45A-E049-E489-941C-BB3C9D7C6B62}"/>
               </a:ext>
             </a:extLst>
           </p:cNvPr>
@@ -1450,7 +1450,7 @@
           <a:bodyPr/>
           <a:lstStyle/>
           <a:p>
-            <a:fld id="{FFFBB0C3-45B7-4DAC-B7FC-04189875B5CB}" type="slidenum">
+            <a:fld id="{FBF4E63D-535C-4155-A7F2-24F1A272796F}" type="slidenum">
               <a:rPr lang="zh-CN" altLang="en-US" smtClean="0"/>
               <a:t>‹#›</a:t>
             </a:fld>
@@ -1461,7 +1461,7 @@
     </p:spTree>
     <p:extLst>
       <p:ext uri="{BB962C8B-B14F-4D97-AF65-F5344CB8AC3E}">
-        <p14:creationId xmlns:p14="http://schemas.microsoft.com/office/powerpoint/2010/main" val="2999133087"/>
+        <p14:creationId xmlns:p14="http://schemas.microsoft.com/office/powerpoint/2010/main" val="3472953795"/>
       </p:ext>
     </p:extLst>
   </p:cSld>
@@ -1493,7 +1493,7 @@
           <p:cNvPr id="2" name="标题 1">
             <a:extLst>
               <a:ext uri="{FF2B5EF4-FFF2-40B4-BE49-F238E27FC236}">
-                <a16:creationId xmlns:a16="http://schemas.microsoft.com/office/drawing/2014/main" id="{DCDFE1E4-4CC7-CD98-89F2-C1C1B753B1A8}"/>
+                <a16:creationId xmlns:a16="http://schemas.microsoft.com/office/drawing/2014/main" id="{721098A5-533F-42EC-1B3C-26BD87D54F2B}"/>
               </a:ext>
             </a:extLst>
           </p:cNvPr>
@@ -1526,7 +1526,7 @@
           <p:cNvPr id="3" name="文本占位符 2">
             <a:extLst>
               <a:ext uri="{FF2B5EF4-FFF2-40B4-BE49-F238E27FC236}">
-                <a16:creationId xmlns:a16="http://schemas.microsoft.com/office/drawing/2014/main" id="{46C80A4F-E892-5B78-0FF0-85A9926F2B15}"/>
+                <a16:creationId xmlns:a16="http://schemas.microsoft.com/office/drawing/2014/main" id="{157E9F4F-4020-337B-EE49-C831918E72F3}"/>
               </a:ext>
             </a:extLst>
           </p:cNvPr>
@@ -1597,7 +1597,7 @@
           <p:cNvPr id="4" name="内容占位符 3">
             <a:extLst>
               <a:ext uri="{FF2B5EF4-FFF2-40B4-BE49-F238E27FC236}">
-                <a16:creationId xmlns:a16="http://schemas.microsoft.com/office/drawing/2014/main" id="{44544960-4E09-5EA9-BC81-9E76681EDED0}"/>
+                <a16:creationId xmlns:a16="http://schemas.microsoft.com/office/drawing/2014/main" id="{76FF47FD-60ED-BA52-7E14-CEA9F6802740}"/>
               </a:ext>
             </a:extLst>
           </p:cNvPr>
@@ -1659,7 +1659,7 @@
           <p:cNvPr id="5" name="文本占位符 4">
             <a:extLst>
               <a:ext uri="{FF2B5EF4-FFF2-40B4-BE49-F238E27FC236}">
-                <a16:creationId xmlns:a16="http://schemas.microsoft.com/office/drawing/2014/main" id="{8E874543-02DE-397A-588E-CED6D3EFDA04}"/>
+                <a16:creationId xmlns:a16="http://schemas.microsoft.com/office/drawing/2014/main" id="{53E2E227-12D4-A68E-0C73-D9212E0CBB14}"/>
               </a:ext>
             </a:extLst>
           </p:cNvPr>
@@ -1730,7 +1730,7 @@
           <p:cNvPr id="6" name="内容占位符 5">
             <a:extLst>
               <a:ext uri="{FF2B5EF4-FFF2-40B4-BE49-F238E27FC236}">
-                <a16:creationId xmlns:a16="http://schemas.microsoft.com/office/drawing/2014/main" id="{175852FF-5120-940B-AAB4-095499706F50}"/>
+                <a16:creationId xmlns:a16="http://schemas.microsoft.com/office/drawing/2014/main" id="{6C640BCA-D14D-7195-065D-AC2580491898}"/>
               </a:ext>
             </a:extLst>
           </p:cNvPr>
@@ -1792,7 +1792,7 @@
           <p:cNvPr id="7" name="日期占位符 6">
             <a:extLst>
               <a:ext uri="{FF2B5EF4-FFF2-40B4-BE49-F238E27FC236}">
-                <a16:creationId xmlns:a16="http://schemas.microsoft.com/office/drawing/2014/main" id="{2B461B16-BB95-0713-D50E-AFF5C3EDF5C2}"/>
+                <a16:creationId xmlns:a16="http://schemas.microsoft.com/office/drawing/2014/main" id="{41FD52B1-5CFF-67DC-A0D9-C55E4EF78B14}"/>
               </a:ext>
             </a:extLst>
           </p:cNvPr>
@@ -1808,7 +1808,7 @@
           <a:bodyPr/>
           <a:lstStyle/>
           <a:p>
-            <a:fld id="{9D622EA2-119D-4BC0-B374-2C44E1C9D99D}" type="datetimeFigureOut">
+            <a:fld id="{EE97F104-E9C2-492A-A5B1-A7F186779459}" type="datetimeFigureOut">
               <a:rPr lang="zh-CN" altLang="en-US" smtClean="0"/>
               <a:t>2024/3/10</a:t>
             </a:fld>
@@ -1821,7 +1821,7 @@
           <p:cNvPr id="8" name="页脚占位符 7">
             <a:extLst>
               <a:ext uri="{FF2B5EF4-FFF2-40B4-BE49-F238E27FC236}">
-                <a16:creationId xmlns:a16="http://schemas.microsoft.com/office/drawing/2014/main" id="{84088BD1-3712-271B-359C-5CA063C1ABDC}"/>
+                <a16:creationId xmlns:a16="http://schemas.microsoft.com/office/drawing/2014/main" id="{9F0669B6-D3AA-FE1C-B744-5BE55B49E59B}"/>
               </a:ext>
             </a:extLst>
           </p:cNvPr>
@@ -1846,7 +1846,7 @@
           <p:cNvPr id="9" name="灯片编号占位符 8">
             <a:extLst>
               <a:ext uri="{FF2B5EF4-FFF2-40B4-BE49-F238E27FC236}">
-                <a16:creationId xmlns:a16="http://schemas.microsoft.com/office/drawing/2014/main" id="{8058E962-E696-2CB1-69C6-0CBE04733BC7}"/>
+                <a16:creationId xmlns:a16="http://schemas.microsoft.com/office/drawing/2014/main" id="{03F9AB66-12E2-0226-E44A-BA73357F5882}"/>
               </a:ext>
             </a:extLst>
           </p:cNvPr>
@@ -1862,7 +1862,7 @@
           <a:bodyPr/>
           <a:lstStyle/>
           <a:p>
-            <a:fld id="{FFFBB0C3-45B7-4DAC-B7FC-04189875B5CB}" type="slidenum">
+            <a:fld id="{FBF4E63D-535C-4155-A7F2-24F1A272796F}" type="slidenum">
               <a:rPr lang="zh-CN" altLang="en-US" smtClean="0"/>
               <a:t>‹#›</a:t>
             </a:fld>
@@ -1873,7 +1873,7 @@
     </p:spTree>
     <p:extLst>
       <p:ext uri="{BB962C8B-B14F-4D97-AF65-F5344CB8AC3E}">
-        <p14:creationId xmlns:p14="http://schemas.microsoft.com/office/powerpoint/2010/main" val="2017646498"/>
+        <p14:creationId xmlns:p14="http://schemas.microsoft.com/office/powerpoint/2010/main" val="852998044"/>
       </p:ext>
     </p:extLst>
   </p:cSld>
@@ -1905,7 +1905,7 @@
           <p:cNvPr id="2" name="标题 1">
             <a:extLst>
               <a:ext uri="{FF2B5EF4-FFF2-40B4-BE49-F238E27FC236}">
-                <a16:creationId xmlns:a16="http://schemas.microsoft.com/office/drawing/2014/main" id="{B5E6BA67-B8EC-BAB0-D91B-14E7E82DD5C0}"/>
+                <a16:creationId xmlns:a16="http://schemas.microsoft.com/office/drawing/2014/main" id="{5626A033-3D6F-4752-EF65-FF6AA1FE8EE0}"/>
               </a:ext>
             </a:extLst>
           </p:cNvPr>
@@ -1933,7 +1933,7 @@
           <p:cNvPr id="3" name="日期占位符 2">
             <a:extLst>
               <a:ext uri="{FF2B5EF4-FFF2-40B4-BE49-F238E27FC236}">
-                <a16:creationId xmlns:a16="http://schemas.microsoft.com/office/drawing/2014/main" id="{17E1687E-3552-4BB6-37B5-49F8CBDD05EA}"/>
+                <a16:creationId xmlns:a16="http://schemas.microsoft.com/office/drawing/2014/main" id="{1817E996-52DE-C491-0649-8171F84A5B74}"/>
               </a:ext>
             </a:extLst>
           </p:cNvPr>
@@ -1949,7 +1949,7 @@
           <a:bodyPr/>
           <a:lstStyle/>
           <a:p>
-            <a:fld id="{9D622EA2-119D-4BC0-B374-2C44E1C9D99D}" type="datetimeFigureOut">
+            <a:fld id="{EE97F104-E9C2-492A-A5B1-A7F186779459}" type="datetimeFigureOut">
               <a:rPr lang="zh-CN" altLang="en-US" smtClean="0"/>
               <a:t>2024/3/10</a:t>
             </a:fld>
@@ -1962,7 +1962,7 @@
           <p:cNvPr id="4" name="页脚占位符 3">
             <a:extLst>
               <a:ext uri="{FF2B5EF4-FFF2-40B4-BE49-F238E27FC236}">
-                <a16:creationId xmlns:a16="http://schemas.microsoft.com/office/drawing/2014/main" id="{1F337407-1519-B9D3-B9AF-E37DB792B504}"/>
+                <a16:creationId xmlns:a16="http://schemas.microsoft.com/office/drawing/2014/main" id="{7142C0B3-489A-1212-1F5A-6BBB51272351}"/>
               </a:ext>
             </a:extLst>
           </p:cNvPr>
@@ -1987,7 +1987,7 @@
           <p:cNvPr id="5" name="灯片编号占位符 4">
             <a:extLst>
               <a:ext uri="{FF2B5EF4-FFF2-40B4-BE49-F238E27FC236}">
-                <a16:creationId xmlns:a16="http://schemas.microsoft.com/office/drawing/2014/main" id="{D207C88E-9E21-4E13-8A2F-B919F4603E3F}"/>
+                <a16:creationId xmlns:a16="http://schemas.microsoft.com/office/drawing/2014/main" id="{27564782-EC44-F006-9F6D-549D47691834}"/>
               </a:ext>
             </a:extLst>
           </p:cNvPr>
@@ -2003,7 +2003,7 @@
           <a:bodyPr/>
           <a:lstStyle/>
           <a:p>
-            <a:fld id="{FFFBB0C3-45B7-4DAC-B7FC-04189875B5CB}" type="slidenum">
+            <a:fld id="{FBF4E63D-535C-4155-A7F2-24F1A272796F}" type="slidenum">
               <a:rPr lang="zh-CN" altLang="en-US" smtClean="0"/>
               <a:t>‹#›</a:t>
             </a:fld>
@@ -2014,7 +2014,7 @@
     </p:spTree>
     <p:extLst>
       <p:ext uri="{BB962C8B-B14F-4D97-AF65-F5344CB8AC3E}">
-        <p14:creationId xmlns:p14="http://schemas.microsoft.com/office/powerpoint/2010/main" val="199996640"/>
+        <p14:creationId xmlns:p14="http://schemas.microsoft.com/office/powerpoint/2010/main" val="730442925"/>
       </p:ext>
     </p:extLst>
   </p:cSld>
@@ -2046,7 +2046,7 @@
           <p:cNvPr id="2" name="日期占位符 1">
             <a:extLst>
               <a:ext uri="{FF2B5EF4-FFF2-40B4-BE49-F238E27FC236}">
-                <a16:creationId xmlns:a16="http://schemas.microsoft.com/office/drawing/2014/main" id="{9B859DBB-F8DB-C475-2BAA-832DBCD5BF2A}"/>
+                <a16:creationId xmlns:a16="http://schemas.microsoft.com/office/drawing/2014/main" id="{9192B987-2A45-6CCC-FD62-0FF297CDBB98}"/>
               </a:ext>
             </a:extLst>
           </p:cNvPr>
@@ -2062,7 +2062,7 @@
           <a:bodyPr/>
           <a:lstStyle/>
           <a:p>
-            <a:fld id="{9D622EA2-119D-4BC0-B374-2C44E1C9D99D}" type="datetimeFigureOut">
+            <a:fld id="{EE97F104-E9C2-492A-A5B1-A7F186779459}" type="datetimeFigureOut">
               <a:rPr lang="zh-CN" altLang="en-US" smtClean="0"/>
               <a:t>2024/3/10</a:t>
             </a:fld>
@@ -2075,7 +2075,7 @@
           <p:cNvPr id="3" name="页脚占位符 2">
             <a:extLst>
               <a:ext uri="{FF2B5EF4-FFF2-40B4-BE49-F238E27FC236}">
-                <a16:creationId xmlns:a16="http://schemas.microsoft.com/office/drawing/2014/main" id="{EE872FB6-2C98-64D2-43B5-E4FB34A7FA64}"/>
+                <a16:creationId xmlns:a16="http://schemas.microsoft.com/office/drawing/2014/main" id="{058B3916-D799-EDD8-46E2-747603A379A9}"/>
               </a:ext>
             </a:extLst>
           </p:cNvPr>
@@ -2100,7 +2100,7 @@
           <p:cNvPr id="4" name="灯片编号占位符 3">
             <a:extLst>
               <a:ext uri="{FF2B5EF4-FFF2-40B4-BE49-F238E27FC236}">
-                <a16:creationId xmlns:a16="http://schemas.microsoft.com/office/drawing/2014/main" id="{644E5BD4-34C7-10F5-2E73-B4F2B4BEFEFB}"/>
+                <a16:creationId xmlns:a16="http://schemas.microsoft.com/office/drawing/2014/main" id="{B847C7C1-63F0-B17A-3971-B3E85B1AC83B}"/>
               </a:ext>
             </a:extLst>
           </p:cNvPr>
@@ -2116,7 +2116,7 @@
           <a:bodyPr/>
           <a:lstStyle/>
           <a:p>
-            <a:fld id="{FFFBB0C3-45B7-4DAC-B7FC-04189875B5CB}" type="slidenum">
+            <a:fld id="{FBF4E63D-535C-4155-A7F2-24F1A272796F}" type="slidenum">
               <a:rPr lang="zh-CN" altLang="en-US" smtClean="0"/>
               <a:t>‹#›</a:t>
             </a:fld>
@@ -2127,7 +2127,7 @@
     </p:spTree>
     <p:extLst>
       <p:ext uri="{BB962C8B-B14F-4D97-AF65-F5344CB8AC3E}">
-        <p14:creationId xmlns:p14="http://schemas.microsoft.com/office/powerpoint/2010/main" val="784875026"/>
+        <p14:creationId xmlns:p14="http://schemas.microsoft.com/office/powerpoint/2010/main" val="3577536615"/>
       </p:ext>
     </p:extLst>
   </p:cSld>
@@ -2159,7 +2159,7 @@
           <p:cNvPr id="2" name="标题 1">
             <a:extLst>
               <a:ext uri="{FF2B5EF4-FFF2-40B4-BE49-F238E27FC236}">
-                <a16:creationId xmlns:a16="http://schemas.microsoft.com/office/drawing/2014/main" id="{CEC511E9-E9B9-F100-AB62-A39AFE3B08FF}"/>
+                <a16:creationId xmlns:a16="http://schemas.microsoft.com/office/drawing/2014/main" id="{D9F5CB83-7088-C95B-EFCE-26CB63425902}"/>
               </a:ext>
             </a:extLst>
           </p:cNvPr>
@@ -2196,7 +2196,7 @@
           <p:cNvPr id="3" name="内容占位符 2">
             <a:extLst>
               <a:ext uri="{FF2B5EF4-FFF2-40B4-BE49-F238E27FC236}">
-                <a16:creationId xmlns:a16="http://schemas.microsoft.com/office/drawing/2014/main" id="{FE61A922-5480-2ADE-E3A1-4AA118B88110}"/>
+                <a16:creationId xmlns:a16="http://schemas.microsoft.com/office/drawing/2014/main" id="{C9A617DD-1626-328E-0005-C04193A4390C}"/>
               </a:ext>
             </a:extLst>
           </p:cNvPr>
@@ -2286,7 +2286,7 @@
           <p:cNvPr id="4" name="文本占位符 3">
             <a:extLst>
               <a:ext uri="{FF2B5EF4-FFF2-40B4-BE49-F238E27FC236}">
-                <a16:creationId xmlns:a16="http://schemas.microsoft.com/office/drawing/2014/main" id="{B2FEB120-5A0F-1C4A-BF9B-87FFA0A40652}"/>
+                <a16:creationId xmlns:a16="http://schemas.microsoft.com/office/drawing/2014/main" id="{5ACBECCE-4019-D9E1-BDE5-D71DEB91D9BB}"/>
               </a:ext>
             </a:extLst>
           </p:cNvPr>
@@ -2357,7 +2357,7 @@
           <p:cNvPr id="5" name="日期占位符 4">
             <a:extLst>
               <a:ext uri="{FF2B5EF4-FFF2-40B4-BE49-F238E27FC236}">
-                <a16:creationId xmlns:a16="http://schemas.microsoft.com/office/drawing/2014/main" id="{B2BE2EE9-B607-98EE-63E1-40B5123E593C}"/>
+                <a16:creationId xmlns:a16="http://schemas.microsoft.com/office/drawing/2014/main" id="{4211C3D9-85B9-5279-5D36-07F32F7F7616}"/>
               </a:ext>
             </a:extLst>
           </p:cNvPr>
@@ -2373,7 +2373,7 @@
           <a:bodyPr/>
           <a:lstStyle/>
           <a:p>
-            <a:fld id="{9D622EA2-119D-4BC0-B374-2C44E1C9D99D}" type="datetimeFigureOut">
+            <a:fld id="{EE97F104-E9C2-492A-A5B1-A7F186779459}" type="datetimeFigureOut">
               <a:rPr lang="zh-CN" altLang="en-US" smtClean="0"/>
               <a:t>2024/3/10</a:t>
             </a:fld>
@@ -2386,7 +2386,7 @@
           <p:cNvPr id="6" name="页脚占位符 5">
             <a:extLst>
               <a:ext uri="{FF2B5EF4-FFF2-40B4-BE49-F238E27FC236}">
-                <a16:creationId xmlns:a16="http://schemas.microsoft.com/office/drawing/2014/main" id="{427F6388-E2D0-4D23-AE3E-73228997742F}"/>
+                <a16:creationId xmlns:a16="http://schemas.microsoft.com/office/drawing/2014/main" id="{45A0DFE4-3E4E-F915-21F7-58A2FFED13F4}"/>
               </a:ext>
             </a:extLst>
           </p:cNvPr>
@@ -2411,7 +2411,7 @@
           <p:cNvPr id="7" name="灯片编号占位符 6">
             <a:extLst>
               <a:ext uri="{FF2B5EF4-FFF2-40B4-BE49-F238E27FC236}">
-                <a16:creationId xmlns:a16="http://schemas.microsoft.com/office/drawing/2014/main" id="{65B99E79-AD7D-87A9-3D07-6317F961EBF9}"/>
+                <a16:creationId xmlns:a16="http://schemas.microsoft.com/office/drawing/2014/main" id="{7400DD6F-9C0B-74A0-2549-4385CA3B215E}"/>
               </a:ext>
             </a:extLst>
           </p:cNvPr>
@@ -2427,7 +2427,7 @@
           <a:bodyPr/>
           <a:lstStyle/>
           <a:p>
-            <a:fld id="{FFFBB0C3-45B7-4DAC-B7FC-04189875B5CB}" type="slidenum">
+            <a:fld id="{FBF4E63D-535C-4155-A7F2-24F1A272796F}" type="slidenum">
               <a:rPr lang="zh-CN" altLang="en-US" smtClean="0"/>
               <a:t>‹#›</a:t>
             </a:fld>
@@ -2438,7 +2438,7 @@
     </p:spTree>
     <p:extLst>
       <p:ext uri="{BB962C8B-B14F-4D97-AF65-F5344CB8AC3E}">
-        <p14:creationId xmlns:p14="http://schemas.microsoft.com/office/powerpoint/2010/main" val="636224554"/>
+        <p14:creationId xmlns:p14="http://schemas.microsoft.com/office/powerpoint/2010/main" val="2106391154"/>
       </p:ext>
     </p:extLst>
   </p:cSld>
@@ -2470,7 +2470,7 @@
           <p:cNvPr id="2" name="标题 1">
             <a:extLst>
               <a:ext uri="{FF2B5EF4-FFF2-40B4-BE49-F238E27FC236}">
-                <a16:creationId xmlns:a16="http://schemas.microsoft.com/office/drawing/2014/main" id="{9D30C5B0-8027-9183-DDEF-1677218D57B8}"/>
+                <a16:creationId xmlns:a16="http://schemas.microsoft.com/office/drawing/2014/main" id="{C3F90B8D-7AFD-B4AB-99F2-AFCF7131C6D5}"/>
               </a:ext>
             </a:extLst>
           </p:cNvPr>
@@ -2507,7 +2507,7 @@
           <p:cNvPr id="3" name="图片占位符 2">
             <a:extLst>
               <a:ext uri="{FF2B5EF4-FFF2-40B4-BE49-F238E27FC236}">
-                <a16:creationId xmlns:a16="http://schemas.microsoft.com/office/drawing/2014/main" id="{A221C600-E08F-C4F0-8877-78931AB5B40E}"/>
+                <a16:creationId xmlns:a16="http://schemas.microsoft.com/office/drawing/2014/main" id="{4A3EB978-5F59-C509-CCAE-37BB97C140DD}"/>
               </a:ext>
             </a:extLst>
           </p:cNvPr>
@@ -2574,7 +2574,7 @@
           <p:cNvPr id="4" name="文本占位符 3">
             <a:extLst>
               <a:ext uri="{FF2B5EF4-FFF2-40B4-BE49-F238E27FC236}">
-                <a16:creationId xmlns:a16="http://schemas.microsoft.com/office/drawing/2014/main" id="{C752739E-BB26-DD43-58F2-976047EB2A22}"/>
+                <a16:creationId xmlns:a16="http://schemas.microsoft.com/office/drawing/2014/main" id="{3A7C83F4-2FDA-141C-21A0-E4E1E651811F}"/>
               </a:ext>
             </a:extLst>
           </p:cNvPr>
@@ -2645,7 +2645,7 @@
           <p:cNvPr id="5" name="日期占位符 4">
             <a:extLst>
               <a:ext uri="{FF2B5EF4-FFF2-40B4-BE49-F238E27FC236}">
-                <a16:creationId xmlns:a16="http://schemas.microsoft.com/office/drawing/2014/main" id="{20D66CE1-A1EE-0E9C-DDC1-803ED4989E8D}"/>
+                <a16:creationId xmlns:a16="http://schemas.microsoft.com/office/drawing/2014/main" id="{F4BF276E-3141-3AEC-F154-6BEE431B6E51}"/>
               </a:ext>
             </a:extLst>
           </p:cNvPr>
@@ -2661,7 +2661,7 @@
           <a:bodyPr/>
           <a:lstStyle/>
           <a:p>
-            <a:fld id="{9D622EA2-119D-4BC0-B374-2C44E1C9D99D}" type="datetimeFigureOut">
+            <a:fld id="{EE97F104-E9C2-492A-A5B1-A7F186779459}" type="datetimeFigureOut">
               <a:rPr lang="zh-CN" altLang="en-US" smtClean="0"/>
               <a:t>2024/3/10</a:t>
             </a:fld>
@@ -2674,7 +2674,7 @@
           <p:cNvPr id="6" name="页脚占位符 5">
             <a:extLst>
               <a:ext uri="{FF2B5EF4-FFF2-40B4-BE49-F238E27FC236}">
-                <a16:creationId xmlns:a16="http://schemas.microsoft.com/office/drawing/2014/main" id="{E11A0341-6222-4EF6-EE85-CD85B02AD54E}"/>
+                <a16:creationId xmlns:a16="http://schemas.microsoft.com/office/drawing/2014/main" id="{2A0A69A6-E3A5-96B9-1F8E-2A4052C35F02}"/>
               </a:ext>
             </a:extLst>
           </p:cNvPr>
@@ -2699,7 +2699,7 @@
           <p:cNvPr id="7" name="灯片编号占位符 6">
             <a:extLst>
               <a:ext uri="{FF2B5EF4-FFF2-40B4-BE49-F238E27FC236}">
-                <a16:creationId xmlns:a16="http://schemas.microsoft.com/office/drawing/2014/main" id="{1775C25C-4540-99FD-2F45-D67BC72BA646}"/>
+                <a16:creationId xmlns:a16="http://schemas.microsoft.com/office/drawing/2014/main" id="{445D1BD7-08F8-C6DE-F795-74F57D1F1956}"/>
               </a:ext>
             </a:extLst>
           </p:cNvPr>
@@ -2715,7 +2715,7 @@
           <a:bodyPr/>
           <a:lstStyle/>
           <a:p>
-            <a:fld id="{FFFBB0C3-45B7-4DAC-B7FC-04189875B5CB}" type="slidenum">
+            <a:fld id="{FBF4E63D-535C-4155-A7F2-24F1A272796F}" type="slidenum">
               <a:rPr lang="zh-CN" altLang="en-US" smtClean="0"/>
               <a:t>‹#›</a:t>
             </a:fld>
@@ -2726,7 +2726,7 @@
     </p:spTree>
     <p:extLst>
       <p:ext uri="{BB962C8B-B14F-4D97-AF65-F5344CB8AC3E}">
-        <p14:creationId xmlns:p14="http://schemas.microsoft.com/office/powerpoint/2010/main" val="2603033118"/>
+        <p14:creationId xmlns:p14="http://schemas.microsoft.com/office/powerpoint/2010/main" val="162386360"/>
       </p:ext>
     </p:extLst>
   </p:cSld>
@@ -2763,7 +2763,7 @@
           <p:cNvPr id="2" name="标题占位符 1">
             <a:extLst>
               <a:ext uri="{FF2B5EF4-FFF2-40B4-BE49-F238E27FC236}">
-                <a16:creationId xmlns:a16="http://schemas.microsoft.com/office/drawing/2014/main" id="{C6734CC0-EF81-EE0F-6953-FE86A6D11145}"/>
+                <a16:creationId xmlns:a16="http://schemas.microsoft.com/office/drawing/2014/main" id="{BB6F49EB-7873-2FCB-BDD8-BD8143F28725}"/>
               </a:ext>
             </a:extLst>
           </p:cNvPr>
@@ -2801,7 +2801,7 @@
           <p:cNvPr id="3" name="文本占位符 2">
             <a:extLst>
               <a:ext uri="{FF2B5EF4-FFF2-40B4-BE49-F238E27FC236}">
-                <a16:creationId xmlns:a16="http://schemas.microsoft.com/office/drawing/2014/main" id="{38606404-9C6B-A10C-FB7C-219ADA554AD4}"/>
+                <a16:creationId xmlns:a16="http://schemas.microsoft.com/office/drawing/2014/main" id="{4BAA363C-D9D1-D0A8-5551-6EE983A7165E}"/>
               </a:ext>
             </a:extLst>
           </p:cNvPr>
@@ -2868,7 +2868,7 @@
           <p:cNvPr id="4" name="日期占位符 3">
             <a:extLst>
               <a:ext uri="{FF2B5EF4-FFF2-40B4-BE49-F238E27FC236}">
-                <a16:creationId xmlns:a16="http://schemas.microsoft.com/office/drawing/2014/main" id="{E37BD787-E908-8090-1DAF-E80682B33832}"/>
+                <a16:creationId xmlns:a16="http://schemas.microsoft.com/office/drawing/2014/main" id="{0D0E535A-8AE8-DD67-5635-DE98FA3B455E}"/>
               </a:ext>
             </a:extLst>
           </p:cNvPr>
@@ -2902,7 +2902,7 @@
             </a:lvl1pPr>
           </a:lstStyle>
           <a:p>
-            <a:fld id="{9D622EA2-119D-4BC0-B374-2C44E1C9D99D}" type="datetimeFigureOut">
+            <a:fld id="{EE97F104-E9C2-492A-A5B1-A7F186779459}" type="datetimeFigureOut">
               <a:rPr lang="zh-CN" altLang="en-US" smtClean="0"/>
               <a:t>2024/3/10</a:t>
             </a:fld>
@@ -2915,7 +2915,7 @@
           <p:cNvPr id="5" name="页脚占位符 4">
             <a:extLst>
               <a:ext uri="{FF2B5EF4-FFF2-40B4-BE49-F238E27FC236}">
-                <a16:creationId xmlns:a16="http://schemas.microsoft.com/office/drawing/2014/main" id="{C2A8BF54-057F-1AD0-7A67-0372F310EB00}"/>
+                <a16:creationId xmlns:a16="http://schemas.microsoft.com/office/drawing/2014/main" id="{020BA372-A4C1-227E-2438-77F6A52F6579}"/>
               </a:ext>
             </a:extLst>
           </p:cNvPr>
@@ -2958,7 +2958,7 @@
           <p:cNvPr id="6" name="灯片编号占位符 5">
             <a:extLst>
               <a:ext uri="{FF2B5EF4-FFF2-40B4-BE49-F238E27FC236}">
-                <a16:creationId xmlns:a16="http://schemas.microsoft.com/office/drawing/2014/main" id="{2FB39ED5-4B49-D18E-C3E1-A9365C8BCFF1}"/>
+                <a16:creationId xmlns:a16="http://schemas.microsoft.com/office/drawing/2014/main" id="{2EF85A69-DCD7-1937-C8B3-A37045E4C3E8}"/>
               </a:ext>
             </a:extLst>
           </p:cNvPr>
@@ -2992,7 +2992,7 @@
             </a:lvl1pPr>
           </a:lstStyle>
           <a:p>
-            <a:fld id="{FFFBB0C3-45B7-4DAC-B7FC-04189875B5CB}" type="slidenum">
+            <a:fld id="{FBF4E63D-535C-4155-A7F2-24F1A272796F}" type="slidenum">
               <a:rPr lang="zh-CN" altLang="en-US" smtClean="0"/>
               <a:t>‹#›</a:t>
             </a:fld>
@@ -3003,7 +3003,7 @@
     </p:spTree>
     <p:extLst>
       <p:ext uri="{BB962C8B-B14F-4D97-AF65-F5344CB8AC3E}">
-        <p14:creationId xmlns:p14="http://schemas.microsoft.com/office/powerpoint/2010/main" val="854551435"/>
+        <p14:creationId xmlns:p14="http://schemas.microsoft.com/office/powerpoint/2010/main" val="2963985430"/>
       </p:ext>
     </p:extLst>
   </p:cSld>
